--- a/DOIT-ESP32.pptx
+++ b/DOIT-ESP32.pptx
@@ -9,7 +9,8 @@
     <p:sldId id="257" r:id="rId3"/>
     <p:sldId id="258" r:id="rId4"/>
     <p:sldId id="259" r:id="rId5"/>
-    <p:sldId id="260" r:id="rId6"/>
+    <p:sldId id="261" r:id="rId6"/>
+    <p:sldId id="260" r:id="rId7"/>
   </p:sldIdLst>
   <p:sldSz cx="12192000" cy="6858000"/>
   <p:notesSz cx="6858000" cy="9144000"/>
@@ -108,6 +109,11 @@
       </a:defRPr>
     </a:lvl9pPr>
   </p:defaultTextStyle>
+  <p:extLst>
+    <p:ext uri="{EFAFB233-063F-42B5-8137-9DF3F51BA10A}">
+      <p15:sldGuideLst xmlns:p15="http://schemas.microsoft.com/office/powerpoint/2012/main"/>
+    </p:ext>
+  </p:extLst>
 </p:presentation>
 </file>
 
@@ -1326,7 +1332,7 @@
           <a:p>
             <a:fld id="{C1ED12BC-D9C6-4686-8B50-A7D0A109133E}" type="datetimeFigureOut">
               <a:rPr lang="zh-TW" altLang="en-US" smtClean="0"/>
-              <a:t>2017/11/1</a:t>
+              <a:t>2017/11/2</a:t>
             </a:fld>
             <a:endParaRPr lang="zh-TW" altLang="en-US"/>
           </a:p>
@@ -1564,7 +1570,7 @@
           <a:p>
             <a:fld id="{C1ED12BC-D9C6-4686-8B50-A7D0A109133E}" type="datetimeFigureOut">
               <a:rPr lang="zh-TW" altLang="en-US" smtClean="0"/>
-              <a:t>2017/11/1</a:t>
+              <a:t>2017/11/2</a:t>
             </a:fld>
             <a:endParaRPr lang="zh-TW" altLang="en-US"/>
           </a:p>
@@ -1744,7 +1750,7 @@
           <a:p>
             <a:fld id="{C1ED12BC-D9C6-4686-8B50-A7D0A109133E}" type="datetimeFigureOut">
               <a:rPr lang="zh-TW" altLang="en-US" smtClean="0"/>
-              <a:t>2017/11/1</a:t>
+              <a:t>2017/11/2</a:t>
             </a:fld>
             <a:endParaRPr lang="zh-TW" altLang="en-US"/>
           </a:p>
@@ -1914,7 +1920,7 @@
           <a:p>
             <a:fld id="{C1ED12BC-D9C6-4686-8B50-A7D0A109133E}" type="datetimeFigureOut">
               <a:rPr lang="zh-TW" altLang="en-US" smtClean="0"/>
-              <a:t>2017/11/1</a:t>
+              <a:t>2017/11/2</a:t>
             </a:fld>
             <a:endParaRPr lang="zh-TW" altLang="en-US"/>
           </a:p>
@@ -2190,7 +2196,7 @@
           <a:p>
             <a:fld id="{C1ED12BC-D9C6-4686-8B50-A7D0A109133E}" type="datetimeFigureOut">
               <a:rPr lang="zh-TW" altLang="en-US" smtClean="0"/>
-              <a:t>2017/11/1</a:t>
+              <a:t>2017/11/2</a:t>
             </a:fld>
             <a:endParaRPr lang="zh-TW" altLang="en-US"/>
           </a:p>
@@ -3391,7 +3397,7 @@
           <a:p>
             <a:fld id="{C1ED12BC-D9C6-4686-8B50-A7D0A109133E}" type="datetimeFigureOut">
               <a:rPr lang="zh-TW" altLang="en-US" smtClean="0"/>
-              <a:t>2017/11/1</a:t>
+              <a:t>2017/11/2</a:t>
             </a:fld>
             <a:endParaRPr lang="zh-TW" altLang="en-US"/>
           </a:p>
@@ -3781,7 +3787,7 @@
           <a:p>
             <a:fld id="{C1ED12BC-D9C6-4686-8B50-A7D0A109133E}" type="datetimeFigureOut">
               <a:rPr lang="zh-TW" altLang="en-US" smtClean="0"/>
-              <a:t>2017/11/1</a:t>
+              <a:t>2017/11/2</a:t>
             </a:fld>
             <a:endParaRPr lang="zh-TW" altLang="en-US"/>
           </a:p>
@@ -3904,7 +3910,7 @@
           <a:p>
             <a:fld id="{C1ED12BC-D9C6-4686-8B50-A7D0A109133E}" type="datetimeFigureOut">
               <a:rPr lang="zh-TW" altLang="en-US" smtClean="0"/>
-              <a:t>2017/11/1</a:t>
+              <a:t>2017/11/2</a:t>
             </a:fld>
             <a:endParaRPr lang="zh-TW" altLang="en-US"/>
           </a:p>
@@ -3999,7 +4005,7 @@
           <a:p>
             <a:fld id="{C1ED12BC-D9C6-4686-8B50-A7D0A109133E}" type="datetimeFigureOut">
               <a:rPr lang="zh-TW" altLang="en-US" smtClean="0"/>
-              <a:t>2017/11/1</a:t>
+              <a:t>2017/11/2</a:t>
             </a:fld>
             <a:endParaRPr lang="zh-TW" altLang="en-US"/>
           </a:p>
@@ -4762,7 +4768,7 @@
           <a:p>
             <a:fld id="{C1ED12BC-D9C6-4686-8B50-A7D0A109133E}" type="datetimeFigureOut">
               <a:rPr lang="zh-TW" altLang="en-US" smtClean="0"/>
-              <a:t>2017/11/1</a:t>
+              <a:t>2017/11/2</a:t>
             </a:fld>
             <a:endParaRPr lang="zh-TW" altLang="en-US"/>
           </a:p>
@@ -5602,7 +5608,7 @@
           <a:p>
             <a:fld id="{C1ED12BC-D9C6-4686-8B50-A7D0A109133E}" type="datetimeFigureOut">
               <a:rPr lang="zh-TW" altLang="en-US" smtClean="0"/>
-              <a:t>2017/11/1</a:t>
+              <a:t>2017/11/2</a:t>
             </a:fld>
             <a:endParaRPr lang="zh-TW" altLang="en-US"/>
           </a:p>
@@ -5829,7 +5835,7 @@
           <a:p>
             <a:fld id="{C1ED12BC-D9C6-4686-8B50-A7D0A109133E}" type="datetimeFigureOut">
               <a:rPr lang="zh-TW" altLang="en-US" smtClean="0"/>
-              <a:t>2017/11/1</a:t>
+              <a:t>2017/11/2</a:t>
             </a:fld>
             <a:endParaRPr lang="zh-TW" altLang="en-US"/>
           </a:p>
@@ -7337,6 +7343,71 @@
           <a:chExt cx="0" cy="0"/>
         </a:xfrm>
       </p:grpSpPr>
+      <p:pic>
+        <p:nvPicPr>
+          <p:cNvPr id="5" name="內容版面配置區 4">
+            <a:extLst>
+              <a:ext uri="{FF2B5EF4-FFF2-40B4-BE49-F238E27FC236}">
+                <a16:creationId xmlns:a16="http://schemas.microsoft.com/office/drawing/2014/main" id="{E9C9FE00-CECD-4EB2-8F99-A8753D44940C}"/>
+              </a:ext>
+            </a:extLst>
+          </p:cNvPr>
+          <p:cNvPicPr>
+            <a:picLocks noGrp="1" noChangeAspect="1"/>
+          </p:cNvPicPr>
+          <p:nvPr>
+            <p:ph idx="1"/>
+          </p:nvPr>
+        </p:nvPicPr>
+        <p:blipFill>
+          <a:blip r:embed="rId2">
+            <a:extLst>
+              <a:ext uri="{28A0092B-C50C-407E-A947-70E740481C1C}">
+                <a14:useLocalDpi xmlns:a14="http://schemas.microsoft.com/office/drawing/2010/main" val="0"/>
+              </a:ext>
+            </a:extLst>
+          </a:blip>
+          <a:stretch>
+            <a:fillRect/>
+          </a:stretch>
+        </p:blipFill>
+        <p:spPr>
+          <a:xfrm>
+            <a:off x="1570383" y="202553"/>
+            <a:ext cx="9690652" cy="6522373"/>
+          </a:xfrm>
+        </p:spPr>
+      </p:pic>
+    </p:spTree>
+    <p:extLst>
+      <p:ext uri="{BB962C8B-B14F-4D97-AF65-F5344CB8AC3E}">
+        <p14:creationId xmlns:p14="http://schemas.microsoft.com/office/powerpoint/2010/main" val="2863928253"/>
+      </p:ext>
+    </p:extLst>
+  </p:cSld>
+  <p:clrMapOvr>
+    <a:masterClrMapping/>
+  </p:clrMapOvr>
+</p:sld>
+</file>
+
+<file path=ppt/slides/slide6.xml><?xml version="1.0" encoding="utf-8"?>
+<p:sld xmlns:a="http://schemas.openxmlformats.org/drawingml/2006/main" xmlns:r="http://schemas.openxmlformats.org/officeDocument/2006/relationships" xmlns:p="http://schemas.openxmlformats.org/presentationml/2006/main">
+  <p:cSld>
+    <p:spTree>
+      <p:nvGrpSpPr>
+        <p:cNvPr id="1" name=""/>
+        <p:cNvGrpSpPr/>
+        <p:nvPr/>
+      </p:nvGrpSpPr>
+      <p:grpSpPr>
+        <a:xfrm>
+          <a:off x="0" y="0"/>
+          <a:ext cx="0" cy="0"/>
+          <a:chOff x="0" y="0"/>
+          <a:chExt cx="0" cy="0"/>
+        </a:xfrm>
+      </p:grpSpPr>
       <p:sp>
         <p:nvSpPr>
           <p:cNvPr id="2" name="標題 1">

--- a/DOIT-ESP32.pptx
+++ b/DOIT-ESP32.pptx
@@ -7,10 +7,15 @@
   <p:sldIdLst>
     <p:sldId id="256" r:id="rId2"/>
     <p:sldId id="257" r:id="rId3"/>
-    <p:sldId id="258" r:id="rId4"/>
-    <p:sldId id="259" r:id="rId5"/>
-    <p:sldId id="261" r:id="rId6"/>
-    <p:sldId id="260" r:id="rId7"/>
+    <p:sldId id="262" r:id="rId4"/>
+    <p:sldId id="258" r:id="rId5"/>
+    <p:sldId id="259" r:id="rId6"/>
+    <p:sldId id="261" r:id="rId7"/>
+    <p:sldId id="266" r:id="rId8"/>
+    <p:sldId id="260" r:id="rId9"/>
+    <p:sldId id="263" r:id="rId10"/>
+    <p:sldId id="264" r:id="rId11"/>
+    <p:sldId id="265" r:id="rId12"/>
   </p:sldIdLst>
   <p:sldSz cx="12192000" cy="6858000"/>
   <p:notesSz cx="6858000" cy="9144000"/>
@@ -6915,6 +6920,190 @@
 </p:sld>
 </file>
 
+<file path=ppt/slides/slide10.xml><?xml version="1.0" encoding="utf-8"?>
+<p:sld xmlns:a="http://schemas.openxmlformats.org/drawingml/2006/main" xmlns:r="http://schemas.openxmlformats.org/officeDocument/2006/relationships" xmlns:p="http://schemas.openxmlformats.org/presentationml/2006/main">
+  <p:cSld>
+    <p:spTree>
+      <p:nvGrpSpPr>
+        <p:cNvPr id="1" name=""/>
+        <p:cNvGrpSpPr/>
+        <p:nvPr/>
+      </p:nvGrpSpPr>
+      <p:grpSpPr>
+        <a:xfrm>
+          <a:off x="0" y="0"/>
+          <a:ext cx="0" cy="0"/>
+          <a:chOff x="0" y="0"/>
+          <a:chExt cx="0" cy="0"/>
+        </a:xfrm>
+      </p:grpSpPr>
+      <p:sp>
+        <p:nvSpPr>
+          <p:cNvPr id="2" name="標題 1">
+            <a:extLst>
+              <a:ext uri="{FF2B5EF4-FFF2-40B4-BE49-F238E27FC236}">
+                <a16:creationId xmlns:a16="http://schemas.microsoft.com/office/drawing/2014/main" id="{22F17472-69DD-4839-85B9-ABDC27EE2337}"/>
+              </a:ext>
+            </a:extLst>
+          </p:cNvPr>
+          <p:cNvSpPr>
+            <a:spLocks noGrp="1"/>
+          </p:cNvSpPr>
+          <p:nvPr>
+            <p:ph type="title"/>
+          </p:nvPr>
+        </p:nvSpPr>
+        <p:spPr>
+          <a:xfrm>
+            <a:off x="1251678" y="382385"/>
+            <a:ext cx="10178322" cy="888696"/>
+          </a:xfrm>
+        </p:spPr>
+        <p:txBody>
+          <a:bodyPr/>
+          <a:lstStyle/>
+          <a:p>
+            <a:r>
+              <a:rPr lang="en-US" altLang="zh-TW" dirty="0"/>
+              <a:t>esp32_learn/</a:t>
+            </a:r>
+            <a:r>
+              <a:rPr lang="en-US" altLang="zh-TW" dirty="0" err="1"/>
+              <a:t>lua_code</a:t>
+            </a:r>
+            <a:r>
+              <a:rPr lang="en-US" altLang="zh-TW" dirty="0"/>
+              <a:t>/esp32/</a:t>
+            </a:r>
+            <a:endParaRPr lang="zh-TW" altLang="en-US" dirty="0"/>
+          </a:p>
+        </p:txBody>
+      </p:sp>
+      <p:pic>
+        <p:nvPicPr>
+          <p:cNvPr id="4" name="內容版面配置區 3">
+            <a:extLst>
+              <a:ext uri="{FF2B5EF4-FFF2-40B4-BE49-F238E27FC236}">
+                <a16:creationId xmlns:a16="http://schemas.microsoft.com/office/drawing/2014/main" id="{DCFF7BF0-71EB-4235-86AD-CAFF5B272EDF}"/>
+              </a:ext>
+            </a:extLst>
+          </p:cNvPr>
+          <p:cNvPicPr>
+            <a:picLocks noGrp="1" noChangeAspect="1"/>
+          </p:cNvPicPr>
+          <p:nvPr>
+            <p:ph idx="1"/>
+          </p:nvPr>
+        </p:nvPicPr>
+        <p:blipFill>
+          <a:blip r:embed="rId2"/>
+          <a:stretch>
+            <a:fillRect/>
+          </a:stretch>
+        </p:blipFill>
+        <p:spPr>
+          <a:xfrm>
+            <a:off x="3320375" y="1271081"/>
+            <a:ext cx="5084323" cy="5348319"/>
+          </a:xfrm>
+          <a:prstGeom prst="rect">
+            <a:avLst/>
+          </a:prstGeom>
+        </p:spPr>
+      </p:pic>
+    </p:spTree>
+    <p:extLst>
+      <p:ext uri="{BB962C8B-B14F-4D97-AF65-F5344CB8AC3E}">
+        <p14:creationId xmlns:p14="http://schemas.microsoft.com/office/powerpoint/2010/main" val="3897681710"/>
+      </p:ext>
+    </p:extLst>
+  </p:cSld>
+  <p:clrMapOvr>
+    <a:masterClrMapping/>
+  </p:clrMapOvr>
+</p:sld>
+</file>
+
+<file path=ppt/slides/slide11.xml><?xml version="1.0" encoding="utf-8"?>
+<p:sld xmlns:a="http://schemas.openxmlformats.org/drawingml/2006/main" xmlns:r="http://schemas.openxmlformats.org/officeDocument/2006/relationships" xmlns:p="http://schemas.openxmlformats.org/presentationml/2006/main">
+  <p:cSld>
+    <p:spTree>
+      <p:nvGrpSpPr>
+        <p:cNvPr id="1" name=""/>
+        <p:cNvGrpSpPr/>
+        <p:nvPr/>
+      </p:nvGrpSpPr>
+      <p:grpSpPr>
+        <a:xfrm>
+          <a:off x="0" y="0"/>
+          <a:ext cx="0" cy="0"/>
+          <a:chOff x="0" y="0"/>
+          <a:chExt cx="0" cy="0"/>
+        </a:xfrm>
+      </p:grpSpPr>
+      <p:sp>
+        <p:nvSpPr>
+          <p:cNvPr id="2" name="標題 1">
+            <a:extLst>
+              <a:ext uri="{FF2B5EF4-FFF2-40B4-BE49-F238E27FC236}">
+                <a16:creationId xmlns:a16="http://schemas.microsoft.com/office/drawing/2014/main" id="{A776465B-B8FF-497A-8218-AB3D6CE0DB99}"/>
+              </a:ext>
+            </a:extLst>
+          </p:cNvPr>
+          <p:cNvSpPr>
+            <a:spLocks noGrp="1"/>
+          </p:cNvSpPr>
+          <p:nvPr>
+            <p:ph type="title"/>
+          </p:nvPr>
+        </p:nvSpPr>
+        <p:spPr/>
+        <p:txBody>
+          <a:bodyPr/>
+          <a:lstStyle/>
+          <a:p>
+            <a:endParaRPr lang="zh-TW" altLang="en-US"/>
+          </a:p>
+        </p:txBody>
+      </p:sp>
+      <p:sp>
+        <p:nvSpPr>
+          <p:cNvPr id="3" name="內容版面配置區 2">
+            <a:extLst>
+              <a:ext uri="{FF2B5EF4-FFF2-40B4-BE49-F238E27FC236}">
+                <a16:creationId xmlns:a16="http://schemas.microsoft.com/office/drawing/2014/main" id="{6B8D1A33-53E5-439B-8ABD-3DE2045C8045}"/>
+              </a:ext>
+            </a:extLst>
+          </p:cNvPr>
+          <p:cNvSpPr>
+            <a:spLocks noGrp="1"/>
+          </p:cNvSpPr>
+          <p:nvPr>
+            <p:ph idx="1"/>
+          </p:nvPr>
+        </p:nvSpPr>
+        <p:spPr/>
+        <p:txBody>
+          <a:bodyPr/>
+          <a:lstStyle/>
+          <a:p>
+            <a:endParaRPr lang="zh-TW" altLang="en-US"/>
+          </a:p>
+        </p:txBody>
+      </p:sp>
+    </p:spTree>
+    <p:extLst>
+      <p:ext uri="{BB962C8B-B14F-4D97-AF65-F5344CB8AC3E}">
+        <p14:creationId xmlns:p14="http://schemas.microsoft.com/office/powerpoint/2010/main" val="1068433555"/>
+      </p:ext>
+    </p:extLst>
+  </p:cSld>
+  <p:clrMapOvr>
+    <a:masterClrMapping/>
+  </p:clrMapOvr>
+</p:sld>
+</file>
+
 <file path=ppt/slides/slide2.xml><?xml version="1.0" encoding="utf-8"?>
 <p:sld xmlns:a="http://schemas.openxmlformats.org/drawingml/2006/main" xmlns:r="http://schemas.openxmlformats.org/officeDocument/2006/relationships" xmlns:p="http://schemas.openxmlformats.org/presentationml/2006/main">
   <p:cSld>
@@ -6984,12 +7173,14 @@
         </p:nvSpPr>
         <p:spPr>
           <a:xfrm>
-            <a:off x="1251678" y="1480931"/>
-            <a:ext cx="10178322" cy="4398662"/>
+            <a:off x="1251678" y="1480930"/>
+            <a:ext cx="10178322" cy="5250609"/>
           </a:xfrm>
         </p:spPr>
         <p:txBody>
-          <a:bodyPr/>
+          <a:bodyPr>
+            <a:normAutofit/>
+          </a:bodyPr>
           <a:lstStyle/>
           <a:p>
             <a:r>
@@ -7102,25 +7293,51 @@
           <a:p>
             <a:r>
               <a:rPr lang="en-US" altLang="zh-TW" dirty="0" err="1"/>
-              <a:t>esptool</a:t>
+              <a:t>ESPlorer</a:t>
             </a:r>
             <a:r>
               <a:rPr lang="en-US" altLang="zh-TW" dirty="0"/>
-              <a:t>: https://github.com/themadinventor/esptool</a:t>
-            </a:r>
-          </a:p>
-          <a:p>
-            <a:pPr marL="0" indent="0">
-              <a:buNone/>
-            </a:pPr>
-            <a:r>
-              <a:rPr lang="en-US" altLang="zh-TW" dirty="0"/>
-              <a:t>GDBSTUB: </a:t>
+              <a:t> : </a:t>
             </a:r>
             <a:r>
               <a:rPr lang="en-US" altLang="zh-TW" dirty="0">
                 <a:hlinkClick r:id="rId6"/>
               </a:rPr>
+              <a:t>ESP8266</a:t>
+            </a:r>
+            <a:r>
+              <a:rPr lang="zh-TW" altLang="en-US" dirty="0">
+                <a:hlinkClick r:id="rId6"/>
+              </a:rPr>
+              <a:t> 整合式開發環境 </a:t>
+            </a:r>
+            <a:r>
+              <a:rPr lang="en-US" altLang="zh-TW" dirty="0">
+                <a:hlinkClick r:id="rId6"/>
+              </a:rPr>
+              <a:t>(IDE)</a:t>
+            </a:r>
+            <a:endParaRPr lang="en-US" altLang="zh-TW" dirty="0"/>
+          </a:p>
+          <a:p>
+            <a:r>
+              <a:rPr lang="en-US" altLang="zh-TW" dirty="0" err="1"/>
+              <a:t>esptool</a:t>
+            </a:r>
+            <a:r>
+              <a:rPr lang="en-US" altLang="zh-TW" dirty="0"/>
+              <a:t>: https://github.com/themadinventor/esptool</a:t>
+            </a:r>
+          </a:p>
+          <a:p>
+            <a:r>
+              <a:rPr lang="en-US" altLang="zh-TW" dirty="0"/>
+              <a:t>GDBSTUB: </a:t>
+            </a:r>
+            <a:r>
+              <a:rPr lang="en-US" altLang="zh-TW" dirty="0">
+                <a:hlinkClick r:id="rId7"/>
+              </a:rPr>
               <a:t>https://github.com/espressif/esp-gdbstub</a:t>
             </a:r>
             <a:endParaRPr lang="en-US" altLang="zh-TW" dirty="0"/>
@@ -7142,8 +7359,69 @@
             </a:r>
             <a:r>
               <a:rPr lang="en-US" altLang="zh-TW" dirty="0"/>
-              <a:t>: www.eluaproject.net</a:t>
-            </a:r>
+              <a:t>: </a:t>
+            </a:r>
+            <a:r>
+              <a:rPr lang="en-US" altLang="zh-TW" dirty="0">
+                <a:hlinkClick r:id="rId8"/>
+              </a:rPr>
+              <a:t>www.eluaproject.net</a:t>
+            </a:r>
+            <a:r>
+              <a:rPr lang="zh-TW" altLang="en-US" dirty="0"/>
+              <a:t> </a:t>
+            </a:r>
+            <a:endParaRPr lang="en-US" altLang="zh-TW" dirty="0"/>
+          </a:p>
+          <a:p>
+            <a:r>
+              <a:rPr lang="zh-TW" altLang="en-US" dirty="0"/>
+              <a:t>驅動程式 </a:t>
+            </a:r>
+            <a:r>
+              <a:rPr lang="en-US" altLang="zh-TW" dirty="0"/>
+              <a:t>: </a:t>
+            </a:r>
+            <a:r>
+              <a:rPr lang="en-US" altLang="zh-TW" dirty="0">
+                <a:hlinkClick r:id="rId9"/>
+              </a:rPr>
+              <a:t>CH340 </a:t>
+            </a:r>
+            <a:r>
+              <a:rPr lang="zh-TW" altLang="en-US" dirty="0">
+                <a:hlinkClick r:id="rId9"/>
+              </a:rPr>
+              <a:t>和 </a:t>
+            </a:r>
+            <a:r>
+              <a:rPr lang="en-US" altLang="zh-TW" dirty="0">
+                <a:hlinkClick r:id="rId9"/>
+              </a:rPr>
+              <a:t>CP2102 </a:t>
+            </a:r>
+            <a:r>
+              <a:rPr lang="zh-TW" altLang="en-US" dirty="0">
+                <a:hlinkClick r:id="rId9"/>
+              </a:rPr>
+              <a:t>驅動</a:t>
+            </a:r>
+            <a:endParaRPr lang="en-US" altLang="zh-TW" sz="1600" dirty="0"/>
+          </a:p>
+          <a:p>
+            <a:r>
+              <a:rPr lang="en-US" altLang="zh-TW" sz="1600" dirty="0"/>
+              <a:t>Arduino </a:t>
+            </a:r>
+            <a:r>
+              <a:rPr lang="zh-TW" altLang="en-US" sz="1600" dirty="0"/>
+              <a:t>板子管理：</a:t>
+            </a:r>
+            <a:r>
+              <a:rPr lang="en-US" altLang="zh-TW" dirty="0"/>
+              <a:t>http://arduino.esp8266.com/stable/package_esp8266com_index.json</a:t>
+            </a:r>
+            <a:endParaRPr lang="en-US" altLang="zh-TW" sz="1600" dirty="0"/>
           </a:p>
           <a:p>
             <a:pPr marL="0" indent="0">
@@ -7173,6 +7451,260 @@
 </file>
 
 <file path=ppt/slides/slide3.xml><?xml version="1.0" encoding="utf-8"?>
+<p:sld xmlns:a="http://schemas.openxmlformats.org/drawingml/2006/main" xmlns:r="http://schemas.openxmlformats.org/officeDocument/2006/relationships" xmlns:p="http://schemas.openxmlformats.org/presentationml/2006/main">
+  <p:cSld>
+    <p:spTree>
+      <p:nvGrpSpPr>
+        <p:cNvPr id="1" name=""/>
+        <p:cNvGrpSpPr/>
+        <p:nvPr/>
+      </p:nvGrpSpPr>
+      <p:grpSpPr>
+        <a:xfrm>
+          <a:off x="0" y="0"/>
+          <a:ext cx="0" cy="0"/>
+          <a:chOff x="0" y="0"/>
+          <a:chExt cx="0" cy="0"/>
+        </a:xfrm>
+      </p:grpSpPr>
+      <p:sp>
+        <p:nvSpPr>
+          <p:cNvPr id="2" name="標題 1">
+            <a:extLst>
+              <a:ext uri="{FF2B5EF4-FFF2-40B4-BE49-F238E27FC236}">
+                <a16:creationId xmlns:a16="http://schemas.microsoft.com/office/drawing/2014/main" id="{521E22BD-273A-49BC-9F2F-1A31D3712DCF}"/>
+              </a:ext>
+            </a:extLst>
+          </p:cNvPr>
+          <p:cNvSpPr>
+            <a:spLocks noGrp="1"/>
+          </p:cNvSpPr>
+          <p:nvPr>
+            <p:ph type="title"/>
+          </p:nvPr>
+        </p:nvSpPr>
+        <p:spPr>
+          <a:xfrm>
+            <a:off x="1251678" y="382385"/>
+            <a:ext cx="10178322" cy="862755"/>
+          </a:xfrm>
+        </p:spPr>
+        <p:txBody>
+          <a:bodyPr/>
+          <a:lstStyle/>
+          <a:p>
+            <a:pPr algn="ctr"/>
+            <a:r>
+              <a:rPr lang="zh-TW" altLang="en-US" dirty="0"/>
+              <a:t>相關連結</a:t>
+            </a:r>
+            <a:r>
+              <a:rPr lang="en-US" altLang="zh-TW" dirty="0"/>
+              <a:t>(</a:t>
+            </a:r>
+            <a:r>
+              <a:rPr lang="zh-TW" altLang="en-US" dirty="0"/>
+              <a:t>續</a:t>
+            </a:r>
+            <a:r>
+              <a:rPr lang="en-US" altLang="zh-TW" dirty="0"/>
+              <a:t>)</a:t>
+            </a:r>
+            <a:endParaRPr lang="zh-TW" altLang="en-US" dirty="0"/>
+          </a:p>
+        </p:txBody>
+      </p:sp>
+      <p:sp>
+        <p:nvSpPr>
+          <p:cNvPr id="3" name="內容版面配置區 2">
+            <a:extLst>
+              <a:ext uri="{FF2B5EF4-FFF2-40B4-BE49-F238E27FC236}">
+                <a16:creationId xmlns:a16="http://schemas.microsoft.com/office/drawing/2014/main" id="{56E26A60-9BEF-4AE8-A304-67BEAD5932D0}"/>
+              </a:ext>
+            </a:extLst>
+          </p:cNvPr>
+          <p:cNvSpPr>
+            <a:spLocks noGrp="1"/>
+          </p:cNvSpPr>
+          <p:nvPr>
+            <p:ph idx="1"/>
+          </p:nvPr>
+        </p:nvSpPr>
+        <p:spPr>
+          <a:xfrm>
+            <a:off x="1251678" y="1342417"/>
+            <a:ext cx="10178322" cy="5311302"/>
+          </a:xfrm>
+        </p:spPr>
+        <p:txBody>
+          <a:bodyPr/>
+          <a:lstStyle/>
+          <a:p>
+            <a:r>
+              <a:rPr lang="en-US" altLang="zh-TW" dirty="0"/>
+              <a:t>Build firmware: </a:t>
+            </a:r>
+            <a:r>
+              <a:rPr lang="en-US" altLang="zh-TW" dirty="0">
+                <a:hlinkClick r:id="rId2"/>
+              </a:rPr>
+              <a:t>How to Flash </a:t>
+            </a:r>
+            <a:r>
+              <a:rPr lang="en-US" altLang="zh-TW" dirty="0" err="1">
+                <a:hlinkClick r:id="rId2"/>
+              </a:rPr>
+              <a:t>NodeMCU</a:t>
+            </a:r>
+            <a:r>
+              <a:rPr lang="en-US" altLang="zh-TW" dirty="0">
+                <a:hlinkClick r:id="rId2"/>
+              </a:rPr>
+              <a:t> Firmware in ESP8266</a:t>
+            </a:r>
+            <a:endParaRPr lang="en-US" altLang="zh-TW" dirty="0"/>
+          </a:p>
+          <a:p>
+            <a:r>
+              <a:rPr lang="zh-TW" altLang="en-US" dirty="0"/>
+              <a:t>安信可科技：</a:t>
+            </a:r>
+            <a:r>
+              <a:rPr lang="en-US" altLang="zh-CN" dirty="0">
+                <a:hlinkClick r:id="rId3"/>
+              </a:rPr>
+              <a:t>ESP8266 </a:t>
+            </a:r>
+            <a:r>
+              <a:rPr lang="zh-CN" altLang="en-US" dirty="0">
+                <a:hlinkClick r:id="rId3"/>
+              </a:rPr>
+              <a:t>系列模组专题</a:t>
+            </a:r>
+            <a:endParaRPr lang="en-US" altLang="zh-CN" dirty="0"/>
+          </a:p>
+          <a:p>
+            <a:r>
+              <a:rPr lang="zh-TW" altLang="en-US" dirty="0"/>
+              <a:t>線上建立</a:t>
+            </a:r>
+            <a:r>
+              <a:rPr lang="en-US" altLang="zh-TW" dirty="0" err="1"/>
+              <a:t>NodeMCU</a:t>
+            </a:r>
+            <a:r>
+              <a:rPr lang="en-US" altLang="zh-TW" dirty="0"/>
+              <a:t> </a:t>
+            </a:r>
+            <a:r>
+              <a:rPr lang="zh-TW" altLang="en-US" dirty="0"/>
+              <a:t>韌體</a:t>
+            </a:r>
+            <a:r>
+              <a:rPr lang="en-US" altLang="zh-TW" dirty="0"/>
+              <a:t>:</a:t>
+            </a:r>
+            <a:r>
+              <a:rPr lang="zh-TW" altLang="en-US" dirty="0"/>
+              <a:t>  </a:t>
+            </a:r>
+            <a:r>
+              <a:rPr lang="en-US" altLang="zh-TW" dirty="0" err="1">
+                <a:hlinkClick r:id="rId4"/>
+              </a:rPr>
+              <a:t>NodeMCU</a:t>
+            </a:r>
+            <a:r>
+              <a:rPr lang="en-US" altLang="zh-TW" dirty="0">
+                <a:hlinkClick r:id="rId4"/>
+              </a:rPr>
+              <a:t> custom builds</a:t>
+            </a:r>
+            <a:endParaRPr lang="en-US" altLang="zh-TW" dirty="0"/>
+          </a:p>
+          <a:p>
+            <a:r>
+              <a:rPr lang="zh-CN" altLang="en-US" dirty="0"/>
+              <a:t>燒錄</a:t>
+            </a:r>
+            <a:r>
+              <a:rPr lang="en-US" altLang="zh-CN" dirty="0" err="1"/>
+              <a:t>WiFi</a:t>
+            </a:r>
+            <a:r>
+              <a:rPr lang="zh-TW" altLang="en-US" dirty="0"/>
+              <a:t>韌體</a:t>
+            </a:r>
+            <a:r>
+              <a:rPr lang="zh-CN" altLang="en-US" dirty="0"/>
+              <a:t>工具：</a:t>
+            </a:r>
+            <a:r>
+              <a:rPr lang="en-US" altLang="zh-TW" dirty="0">
+                <a:hlinkClick r:id="rId5"/>
+              </a:rPr>
+              <a:t>ESP_DOWNLOAD_TOOL</a:t>
+            </a:r>
+            <a:endParaRPr lang="en-US" altLang="zh-TW" dirty="0"/>
+          </a:p>
+          <a:p>
+            <a:r>
+              <a:rPr lang="en-US" altLang="zh-CN" dirty="0"/>
+              <a:t>TCP/UDP </a:t>
+            </a:r>
+            <a:r>
+              <a:rPr lang="zh-CN" altLang="en-US" dirty="0"/>
+              <a:t>網路調試助手（</a:t>
+            </a:r>
+            <a:r>
+              <a:rPr lang="en-US" altLang="zh-CN" dirty="0"/>
+              <a:t>PC</a:t>
+            </a:r>
+            <a:r>
+              <a:rPr lang="zh-CN" altLang="en-US" dirty="0"/>
+              <a:t>版）</a:t>
+            </a:r>
+            <a:r>
+              <a:rPr lang="en-US" altLang="zh-CN" dirty="0"/>
+              <a:t>: </a:t>
+            </a:r>
+            <a:r>
+              <a:rPr lang="en-US" altLang="zh-CN" dirty="0">
+                <a:hlinkClick r:id="rId6"/>
+              </a:rPr>
+              <a:t>tcpudpdbg.zip</a:t>
+            </a:r>
+            <a:endParaRPr lang="en-US" altLang="zh-CN" dirty="0"/>
+          </a:p>
+          <a:p>
+            <a:r>
+              <a:rPr lang="zh-TW" altLang="en-US" dirty="0"/>
+              <a:t>終端機：</a:t>
+            </a:r>
+            <a:r>
+              <a:rPr lang="en-US" altLang="zh-TW" dirty="0">
+                <a:hlinkClick r:id="rId7"/>
+              </a:rPr>
+              <a:t>putty</a:t>
+            </a:r>
+            <a:endParaRPr lang="zh-TW" altLang="en-US" dirty="0"/>
+          </a:p>
+        </p:txBody>
+      </p:sp>
+    </p:spTree>
+    <p:extLst>
+      <p:ext uri="{BB962C8B-B14F-4D97-AF65-F5344CB8AC3E}">
+        <p14:creationId xmlns:p14="http://schemas.microsoft.com/office/powerpoint/2010/main" val="762341692"/>
+      </p:ext>
+    </p:extLst>
+  </p:cSld>
+  <p:clrMapOvr>
+    <a:masterClrMapping/>
+  </p:clrMapOvr>
+</p:sld>
+</file>
+
+<file path=ppt/slides/slide4.xml><?xml version="1.0" encoding="utf-8"?>
 <p:sld xmlns:a="http://schemas.openxmlformats.org/drawingml/2006/main" xmlns:r="http://schemas.openxmlformats.org/officeDocument/2006/relationships" xmlns:p="http://schemas.openxmlformats.org/presentationml/2006/main">
   <p:cSld>
     <p:spTree>
@@ -7264,7 +7796,7 @@
 </p:sld>
 </file>
 
-<file path=ppt/slides/slide4.xml><?xml version="1.0" encoding="utf-8"?>
+<file path=ppt/slides/slide5.xml><?xml version="1.0" encoding="utf-8"?>
 <p:sld xmlns:a="http://schemas.openxmlformats.org/drawingml/2006/main" xmlns:r="http://schemas.openxmlformats.org/officeDocument/2006/relationships" xmlns:p="http://schemas.openxmlformats.org/presentationml/2006/main">
   <p:cSld>
     <p:spTree>
@@ -7326,7 +7858,7 @@
 </p:sld>
 </file>
 
-<file path=ppt/slides/slide5.xml><?xml version="1.0" encoding="utf-8"?>
+<file path=ppt/slides/slide6.xml><?xml version="1.0" encoding="utf-8"?>
 <p:sld xmlns:a="http://schemas.openxmlformats.org/drawingml/2006/main" xmlns:r="http://schemas.openxmlformats.org/officeDocument/2006/relationships" xmlns:p="http://schemas.openxmlformats.org/presentationml/2006/main">
   <p:cSld>
     <p:spTree>
@@ -7391,7 +7923,106 @@
 </p:sld>
 </file>
 
-<file path=ppt/slides/slide6.xml><?xml version="1.0" encoding="utf-8"?>
+<file path=ppt/slides/slide7.xml><?xml version="1.0" encoding="utf-8"?>
+<p:sld xmlns:a="http://schemas.openxmlformats.org/drawingml/2006/main" xmlns:r="http://schemas.openxmlformats.org/officeDocument/2006/relationships" xmlns:p="http://schemas.openxmlformats.org/presentationml/2006/main">
+  <p:cSld>
+    <p:spTree>
+      <p:nvGrpSpPr>
+        <p:cNvPr id="1" name=""/>
+        <p:cNvGrpSpPr/>
+        <p:nvPr/>
+      </p:nvGrpSpPr>
+      <p:grpSpPr>
+        <a:xfrm>
+          <a:off x="0" y="0"/>
+          <a:ext cx="0" cy="0"/>
+          <a:chOff x="0" y="0"/>
+          <a:chExt cx="0" cy="0"/>
+        </a:xfrm>
+      </p:grpSpPr>
+      <p:sp>
+        <p:nvSpPr>
+          <p:cNvPr id="2" name="標題 1">
+            <a:extLst>
+              <a:ext uri="{FF2B5EF4-FFF2-40B4-BE49-F238E27FC236}">
+                <a16:creationId xmlns:a16="http://schemas.microsoft.com/office/drawing/2014/main" id="{539A7078-141C-4035-B725-38CD1ACD4B3F}"/>
+              </a:ext>
+            </a:extLst>
+          </p:cNvPr>
+          <p:cNvSpPr>
+            <a:spLocks noGrp="1"/>
+          </p:cNvSpPr>
+          <p:nvPr>
+            <p:ph type="title"/>
+          </p:nvPr>
+        </p:nvSpPr>
+        <p:spPr>
+          <a:xfrm>
+            <a:off x="1251678" y="382385"/>
+            <a:ext cx="10178322" cy="888696"/>
+          </a:xfrm>
+        </p:spPr>
+        <p:txBody>
+          <a:bodyPr/>
+          <a:lstStyle/>
+          <a:p>
+            <a:pPr algn="ctr"/>
+            <a:r>
+              <a:rPr lang="zh-TW" altLang="en-US" dirty="0"/>
+              <a:t>自製實驗板</a:t>
+            </a:r>
+          </a:p>
+        </p:txBody>
+      </p:sp>
+      <p:pic>
+        <p:nvPicPr>
+          <p:cNvPr id="5" name="內容版面配置區 4">
+            <a:extLst>
+              <a:ext uri="{FF2B5EF4-FFF2-40B4-BE49-F238E27FC236}">
+                <a16:creationId xmlns:a16="http://schemas.microsoft.com/office/drawing/2014/main" id="{D02DEC1C-7F12-4F86-BE6B-07634D7F1515}"/>
+              </a:ext>
+            </a:extLst>
+          </p:cNvPr>
+          <p:cNvPicPr>
+            <a:picLocks noGrp="1" noChangeAspect="1"/>
+          </p:cNvPicPr>
+          <p:nvPr>
+            <p:ph idx="1"/>
+          </p:nvPr>
+        </p:nvPicPr>
+        <p:blipFill>
+          <a:blip r:embed="rId2">
+            <a:extLst>
+              <a:ext uri="{28A0092B-C50C-407E-A947-70E740481C1C}">
+                <a14:useLocalDpi xmlns:a14="http://schemas.microsoft.com/office/drawing/2010/main" val="0"/>
+              </a:ext>
+            </a:extLst>
+          </a:blip>
+          <a:stretch>
+            <a:fillRect/>
+          </a:stretch>
+        </p:blipFill>
+        <p:spPr>
+          <a:xfrm>
+            <a:off x="3112851" y="1653701"/>
+            <a:ext cx="7198467" cy="4974077"/>
+          </a:xfrm>
+        </p:spPr>
+      </p:pic>
+    </p:spTree>
+    <p:extLst>
+      <p:ext uri="{BB962C8B-B14F-4D97-AF65-F5344CB8AC3E}">
+        <p14:creationId xmlns:p14="http://schemas.microsoft.com/office/powerpoint/2010/main" val="2147073389"/>
+      </p:ext>
+    </p:extLst>
+  </p:cSld>
+  <p:clrMapOvr>
+    <a:masterClrMapping/>
+  </p:clrMapOvr>
+</p:sld>
+</file>
+
+<file path=ppt/slides/slide8.xml><?xml version="1.0" encoding="utf-8"?>
 <p:sld xmlns:a="http://schemas.openxmlformats.org/drawingml/2006/main" xmlns:r="http://schemas.openxmlformats.org/officeDocument/2006/relationships" xmlns:p="http://schemas.openxmlformats.org/presentationml/2006/main">
   <p:cSld>
     <p:spTree>
@@ -7738,6 +8369,155 @@
     <p:extLst>
       <p:ext uri="{BB962C8B-B14F-4D97-AF65-F5344CB8AC3E}">
         <p14:creationId xmlns:p14="http://schemas.microsoft.com/office/powerpoint/2010/main" val="2187197601"/>
+      </p:ext>
+    </p:extLst>
+  </p:cSld>
+  <p:clrMapOvr>
+    <a:masterClrMapping/>
+  </p:clrMapOvr>
+</p:sld>
+</file>
+
+<file path=ppt/slides/slide9.xml><?xml version="1.0" encoding="utf-8"?>
+<p:sld xmlns:a="http://schemas.openxmlformats.org/drawingml/2006/main" xmlns:r="http://schemas.openxmlformats.org/officeDocument/2006/relationships" xmlns:p="http://schemas.openxmlformats.org/presentationml/2006/main">
+  <p:cSld>
+    <p:spTree>
+      <p:nvGrpSpPr>
+        <p:cNvPr id="1" name=""/>
+        <p:cNvGrpSpPr/>
+        <p:nvPr/>
+      </p:nvGrpSpPr>
+      <p:grpSpPr>
+        <a:xfrm>
+          <a:off x="0" y="0"/>
+          <a:ext cx="0" cy="0"/>
+          <a:chOff x="0" y="0"/>
+          <a:chExt cx="0" cy="0"/>
+        </a:xfrm>
+      </p:grpSpPr>
+      <p:sp>
+        <p:nvSpPr>
+          <p:cNvPr id="2" name="標題 1">
+            <a:extLst>
+              <a:ext uri="{FF2B5EF4-FFF2-40B4-BE49-F238E27FC236}">
+                <a16:creationId xmlns:a16="http://schemas.microsoft.com/office/drawing/2014/main" id="{C11078EE-6B2C-4A0B-BD5B-4D95A5C35D3B}"/>
+              </a:ext>
+            </a:extLst>
+          </p:cNvPr>
+          <p:cNvSpPr>
+            <a:spLocks noGrp="1"/>
+          </p:cNvSpPr>
+          <p:nvPr>
+            <p:ph type="title"/>
+          </p:nvPr>
+        </p:nvSpPr>
+        <p:spPr>
+          <a:xfrm>
+            <a:off x="1251678" y="382385"/>
+            <a:ext cx="10178322" cy="746024"/>
+          </a:xfrm>
+        </p:spPr>
+        <p:txBody>
+          <a:bodyPr>
+            <a:normAutofit/>
+          </a:bodyPr>
+          <a:lstStyle/>
+          <a:p>
+            <a:r>
+              <a:rPr lang="it-IT" altLang="zh-TW" sz="4400" dirty="0"/>
+              <a:t>esp32_learn/arduino_code/esp32/</a:t>
+            </a:r>
+            <a:endParaRPr lang="zh-TW" altLang="en-US" sz="4400" dirty="0"/>
+          </a:p>
+        </p:txBody>
+      </p:sp>
+      <p:sp>
+        <p:nvSpPr>
+          <p:cNvPr id="3" name="內容版面配置區 2">
+            <a:extLst>
+              <a:ext uri="{FF2B5EF4-FFF2-40B4-BE49-F238E27FC236}">
+                <a16:creationId xmlns:a16="http://schemas.microsoft.com/office/drawing/2014/main" id="{18B57E66-B76C-412D-8F93-E312FE68AB76}"/>
+              </a:ext>
+            </a:extLst>
+          </p:cNvPr>
+          <p:cNvSpPr>
+            <a:spLocks noGrp="1"/>
+          </p:cNvSpPr>
+          <p:nvPr>
+            <p:ph idx="1"/>
+          </p:nvPr>
+        </p:nvSpPr>
+        <p:spPr>
+          <a:xfrm>
+            <a:off x="1251678" y="1128409"/>
+            <a:ext cx="10178322" cy="5350212"/>
+          </a:xfrm>
+        </p:spPr>
+        <p:txBody>
+          <a:bodyPr/>
+          <a:lstStyle/>
+          <a:p>
+            <a:r>
+              <a:rPr lang="en-US" altLang="zh-TW" dirty="0" err="1"/>
+              <a:t>Github</a:t>
+            </a:r>
+            <a:r>
+              <a:rPr lang="en-US" altLang="zh-TW" dirty="0"/>
+              <a:t>: </a:t>
+            </a:r>
+            <a:r>
+              <a:rPr lang="en-US" altLang="zh-TW" dirty="0" err="1">
+                <a:hlinkClick r:id="rId2"/>
+              </a:rPr>
+              <a:t>jumbokh</a:t>
+            </a:r>
+            <a:r>
+              <a:rPr lang="en-US" altLang="zh-TW" dirty="0">
+                <a:hlinkClick r:id="rId2"/>
+              </a:rPr>
+              <a:t>/esp32_learn</a:t>
+            </a:r>
+            <a:endParaRPr lang="en-US" altLang="zh-TW" dirty="0"/>
+          </a:p>
+          <a:p>
+            <a:endParaRPr lang="zh-TW" altLang="en-US" dirty="0"/>
+          </a:p>
+        </p:txBody>
+      </p:sp>
+      <p:pic>
+        <p:nvPicPr>
+          <p:cNvPr id="4" name="圖片 3">
+            <a:extLst>
+              <a:ext uri="{FF2B5EF4-FFF2-40B4-BE49-F238E27FC236}">
+                <a16:creationId xmlns:a16="http://schemas.microsoft.com/office/drawing/2014/main" id="{4BC6B5DD-D352-4EEA-9F7B-B0AA11700AF8}"/>
+              </a:ext>
+            </a:extLst>
+          </p:cNvPr>
+          <p:cNvPicPr>
+            <a:picLocks noChangeAspect="1"/>
+          </p:cNvPicPr>
+          <p:nvPr/>
+        </p:nvPicPr>
+        <p:blipFill>
+          <a:blip r:embed="rId3"/>
+          <a:stretch>
+            <a:fillRect/>
+          </a:stretch>
+        </p:blipFill>
+        <p:spPr>
+          <a:xfrm>
+            <a:off x="2250332" y="1874433"/>
+            <a:ext cx="8009106" cy="4844137"/>
+          </a:xfrm>
+          <a:prstGeom prst="rect">
+            <a:avLst/>
+          </a:prstGeom>
+        </p:spPr>
+      </p:pic>
+    </p:spTree>
+    <p:extLst>
+      <p:ext uri="{BB962C8B-B14F-4D97-AF65-F5344CB8AC3E}">
+        <p14:creationId xmlns:p14="http://schemas.microsoft.com/office/powerpoint/2010/main" val="554808869"/>
       </p:ext>
     </p:extLst>
   </p:cSld>
